--- a/prezentace/obhajoba.pptx
+++ b/prezentace/obhajoba.pptx
@@ -268,7 +268,7 @@
       </p15:sldGuideLst>
     </p:ext>
     <p:ext uri="http://customooxmlschemas.google.com/">
-      <go:slidesCustomData xmlns="" xmlns:mc="http://schemas.openxmlformats.org/markup-compatibility/2006" xmlns:mv="urn:schemas-microsoft-com:mac:vml" xmlns:c="http://schemas.openxmlformats.org/drawingml/2006/chart" xmlns:dgm="http://schemas.openxmlformats.org/drawingml/2006/diagram" xmlns:o="urn:schemas-microsoft-com:office:office" xmlns:v="urn:schemas-microsoft-com:vml" xmlns:pvml="urn:schemas-microsoft-com:office:powerpoint" xmlns:com="http://schemas.openxmlformats.org/drawingml/2006/compatibility" xmlns:p14="http://schemas.microsoft.com/office/powerpoint/2010/main" xmlns:p15="http://schemas.microsoft.com/office/powerpoint/2012/main" xmlns:ahyp="http://schemas.microsoft.com/office/drawing/2018/hyperlinkcolor" xmlns:go="http://customooxmlschemas.google.com/" r:id="rId15" roundtripDataSignature="AMtx7mg9lZL0Z4XdrdguLmTmZ1IR0YPN+Q=="/>
+      <go:slidesCustomData xmlns:go="http://customooxmlschemas.google.com/" xmlns:ahyp="http://schemas.microsoft.com/office/drawing/2018/hyperlinkcolor" xmlns:p15="http://schemas.microsoft.com/office/powerpoint/2012/main" xmlns:p14="http://schemas.microsoft.com/office/powerpoint/2010/main" xmlns:com="http://schemas.openxmlformats.org/drawingml/2006/compatibility" xmlns:pvml="urn:schemas-microsoft-com:office:powerpoint" xmlns:v="urn:schemas-microsoft-com:vml" xmlns:o="urn:schemas-microsoft-com:office:office" xmlns:dgm="http://schemas.openxmlformats.org/drawingml/2006/diagram" xmlns:c="http://schemas.openxmlformats.org/drawingml/2006/chart" xmlns:mv="urn:schemas-microsoft-com:mac:vml" xmlns:mc="http://schemas.openxmlformats.org/markup-compatibility/2006" xmlns="" r:id="rId15" roundtripDataSignature="AMtx7mg9lZL0Z4XdrdguLmTmZ1IR0YPN+Q=="/>
     </p:ext>
   </p:extLst>
 </p:presentation>
@@ -1725,6 +1725,293 @@
     </a:lvl9pPr>
   </p:notesStyle>
 </p:notesMaster>
+</file>
+
+<file path=ppt/notesSlides/notesSlide1.xml><?xml version="1.0" encoding="utf-8"?>
+<p:notes xmlns:a="http://schemas.openxmlformats.org/drawingml/2006/main" xmlns:r="http://schemas.openxmlformats.org/officeDocument/2006/relationships" xmlns:p="http://schemas.openxmlformats.org/presentationml/2006/main">
+  <p:cSld>
+    <p:spTree>
+      <p:nvGrpSpPr>
+        <p:cNvPr id="1" name=""/>
+        <p:cNvGrpSpPr/>
+        <p:nvPr/>
+      </p:nvGrpSpPr>
+      <p:grpSpPr>
+        <a:xfrm>
+          <a:off x="0" y="0"/>
+          <a:ext cx="0" cy="0"/>
+          <a:chOff x="0" y="0"/>
+          <a:chExt cx="0" cy="0"/>
+        </a:xfrm>
+      </p:grpSpPr>
+      <p:sp>
+        <p:nvSpPr>
+          <p:cNvPr id="2" name="Zástupný symbol pro obrázek snímku 1"/>
+          <p:cNvSpPr>
+            <a:spLocks noGrp="1" noRot="1" noChangeAspect="1"/>
+          </p:cNvSpPr>
+          <p:nvPr>
+            <p:ph type="sldImg"/>
+          </p:nvPr>
+        </p:nvSpPr>
+        <p:spPr/>
+      </p:sp>
+      <p:sp>
+        <p:nvSpPr>
+          <p:cNvPr id="3" name="Zástupný symbol pro poznámky 2"/>
+          <p:cNvSpPr>
+            <a:spLocks noGrp="1"/>
+          </p:cNvSpPr>
+          <p:nvPr>
+            <p:ph type="body" idx="1"/>
+          </p:nvPr>
+        </p:nvSpPr>
+        <p:spPr/>
+        <p:txBody>
+          <a:bodyPr/>
+          <a:lstStyle/>
+          <a:p>
+            <a:r>
+              <a:rPr lang="cs-CZ" dirty="0"/>
+              <a:t>Pří vývoji her a především pokud mají RPG prvky, je velká část opakujícího se kódu. Například každá RPG hra obsahuje sbírání zkušeností a navyšování úrovně, čímž se vylepšují atributy postavy. Obvykle má postava předměty, které ovlivňují její atributy a případně i schopnosti. Většina akčních her a strategií obsahuje soubojový systém.</a:t>
+            </a:r>
+          </a:p>
+          <a:p>
+            <a:r>
+              <a:rPr lang="cs-CZ" dirty="0"/>
+              <a:t>Programátor je proto nucen tuto opakující logiku psát či kopírovat stále dokola, v čemž by měla pomoci knihovna vytvořena v této práci. Mezi hlavní požadavky je, aby fungovala bez ohledu na to, zda je použita v konzoli, okenní aplikaci, herním </a:t>
+            </a:r>
+            <a:r>
+              <a:rPr lang="cs-CZ" dirty="0" err="1"/>
+              <a:t>enginu</a:t>
+            </a:r>
+            <a:r>
+              <a:rPr lang="cs-CZ" dirty="0"/>
+              <a:t>, či jiném uživatelském rozhraní.</a:t>
+            </a:r>
+          </a:p>
+        </p:txBody>
+      </p:sp>
+      <p:sp>
+        <p:nvSpPr>
+          <p:cNvPr id="4" name="Zástupný symbol pro číslo snímku 3"/>
+          <p:cNvSpPr>
+            <a:spLocks noGrp="1"/>
+          </p:cNvSpPr>
+          <p:nvPr>
+            <p:ph type="sldNum" idx="12"/>
+          </p:nvPr>
+        </p:nvSpPr>
+        <p:spPr/>
+        <p:txBody>
+          <a:bodyPr/>
+          <a:lstStyle/>
+          <a:p>
+            <a:pPr marL="0" marR="0" lvl="0" indent="0" algn="r" rtl="0">
+              <a:lnSpc>
+                <a:spcPct val="100000"/>
+              </a:lnSpc>
+              <a:spcBef>
+                <a:spcPts val="0"/>
+              </a:spcBef>
+              <a:spcAft>
+                <a:spcPts val="0"/>
+              </a:spcAft>
+              <a:buClr>
+                <a:srgbClr val="000000"/>
+              </a:buClr>
+              <a:buSzPts val="1200"/>
+              <a:buFont typeface="Arial"/>
+              <a:buNone/>
+            </a:pPr>
+            <a:fld id="{00000000-1234-1234-1234-123412341234}" type="slidenum">
+              <a:rPr lang="cs-CZ" sz="1200" b="0" i="0" u="none" strike="noStrike" cap="none" smtClean="0">
+                <a:solidFill>
+                  <a:schemeClr val="dk1"/>
+                </a:solidFill>
+                <a:latin typeface="Calibri"/>
+                <a:ea typeface="Calibri"/>
+                <a:cs typeface="Calibri"/>
+                <a:sym typeface="Calibri"/>
+              </a:rPr>
+              <a:t>2</a:t>
+            </a:fld>
+            <a:endParaRPr lang="cs-CZ" sz="1200" b="0" i="0" u="none" strike="noStrike" cap="none">
+              <a:solidFill>
+                <a:schemeClr val="dk1"/>
+              </a:solidFill>
+              <a:latin typeface="Calibri"/>
+              <a:ea typeface="Calibri"/>
+              <a:cs typeface="Calibri"/>
+              <a:sym typeface="Calibri"/>
+            </a:endParaRPr>
+          </a:p>
+        </p:txBody>
+      </p:sp>
+    </p:spTree>
+    <p:extLst>
+      <p:ext uri="{BB962C8B-B14F-4D97-AF65-F5344CB8AC3E}">
+        <p14:creationId xmlns:p14="http://schemas.microsoft.com/office/powerpoint/2010/main" val="674492588"/>
+      </p:ext>
+    </p:extLst>
+  </p:cSld>
+  <p:clrMapOvr>
+    <a:masterClrMapping/>
+  </p:clrMapOvr>
+</p:notes>
+</file>
+
+<file path=ppt/notesSlides/notesSlide2.xml><?xml version="1.0" encoding="utf-8"?>
+<p:notes xmlns:a="http://schemas.openxmlformats.org/drawingml/2006/main" xmlns:r="http://schemas.openxmlformats.org/officeDocument/2006/relationships" xmlns:p="http://schemas.openxmlformats.org/presentationml/2006/main">
+  <p:cSld>
+    <p:spTree>
+      <p:nvGrpSpPr>
+        <p:cNvPr id="1" name=""/>
+        <p:cNvGrpSpPr/>
+        <p:nvPr/>
+      </p:nvGrpSpPr>
+      <p:grpSpPr>
+        <a:xfrm>
+          <a:off x="0" y="0"/>
+          <a:ext cx="0" cy="0"/>
+          <a:chOff x="0" y="0"/>
+          <a:chExt cx="0" cy="0"/>
+        </a:xfrm>
+      </p:grpSpPr>
+      <p:sp>
+        <p:nvSpPr>
+          <p:cNvPr id="2" name="Zástupný symbol pro obrázek snímku 1"/>
+          <p:cNvSpPr>
+            <a:spLocks noGrp="1" noRot="1" noChangeAspect="1"/>
+          </p:cNvSpPr>
+          <p:nvPr>
+            <p:ph type="sldImg"/>
+          </p:nvPr>
+        </p:nvSpPr>
+        <p:spPr/>
+      </p:sp>
+      <p:sp>
+        <p:nvSpPr>
+          <p:cNvPr id="3" name="Zástupný symbol pro poznámky 2"/>
+          <p:cNvSpPr>
+            <a:spLocks noGrp="1"/>
+          </p:cNvSpPr>
+          <p:nvPr>
+            <p:ph type="body" idx="1"/>
+          </p:nvPr>
+        </p:nvSpPr>
+        <p:spPr/>
+        <p:txBody>
+          <a:bodyPr/>
+          <a:lstStyle/>
+          <a:p>
+            <a:r>
+              <a:rPr lang="cs-CZ" dirty="0"/>
+              <a:t>Zde je porovnání 3 nejpopulárnějších veřejně dostupných herních </a:t>
+            </a:r>
+            <a:r>
+              <a:rPr lang="cs-CZ" dirty="0" err="1"/>
+              <a:t>enginů</a:t>
+            </a:r>
+            <a:r>
+              <a:rPr lang="cs-CZ" dirty="0"/>
+              <a:t>, kde je vidět, že Unity má největší podporu platforem. Oproti ostatním se poplatek za licenci odvíjí od počtu zařízení a není procentem ze zisku. Na příkladu 5členného studia, což je odhadovaná velikost začínajícího studia, je vidět, že licence vyjde zhruba na 1/5. když se ovšem studio rozroste třeba na 50 pro </a:t>
+            </a:r>
+            <a:r>
+              <a:rPr lang="cs-CZ" dirty="0" err="1"/>
+              <a:t>Unreal</a:t>
+            </a:r>
+            <a:r>
+              <a:rPr lang="cs-CZ" dirty="0"/>
+              <a:t> či CRYENGINE se cena nezmění, ale pro Unity se zvýší na 100k. Z toho vyplývá, že Unity je vhodné především pro malá studia </a:t>
+            </a:r>
+            <a:r>
+              <a:rPr lang="cs-CZ" dirty="0" err="1"/>
+              <a:t>studia</a:t>
+            </a:r>
+            <a:r>
+              <a:rPr lang="cs-CZ" dirty="0"/>
+              <a:t> s pár vývojáři, ale pro větší je výhodnější </a:t>
+            </a:r>
+            <a:r>
+              <a:rPr lang="cs-CZ" dirty="0" err="1"/>
+              <a:t>Unreal</a:t>
+            </a:r>
+            <a:r>
+              <a:rPr lang="cs-CZ"/>
+              <a:t> nebo CRYENGINE</a:t>
+            </a:r>
+            <a:endParaRPr lang="cs-CZ" dirty="0"/>
+          </a:p>
+        </p:txBody>
+      </p:sp>
+      <p:sp>
+        <p:nvSpPr>
+          <p:cNvPr id="4" name="Zástupný symbol pro číslo snímku 3"/>
+          <p:cNvSpPr>
+            <a:spLocks noGrp="1"/>
+          </p:cNvSpPr>
+          <p:nvPr>
+            <p:ph type="sldNum" idx="12"/>
+          </p:nvPr>
+        </p:nvSpPr>
+        <p:spPr/>
+        <p:txBody>
+          <a:bodyPr/>
+          <a:lstStyle/>
+          <a:p>
+            <a:pPr marL="0" marR="0" lvl="0" indent="0" algn="r" rtl="0">
+              <a:lnSpc>
+                <a:spcPct val="100000"/>
+              </a:lnSpc>
+              <a:spcBef>
+                <a:spcPts val="0"/>
+              </a:spcBef>
+              <a:spcAft>
+                <a:spcPts val="0"/>
+              </a:spcAft>
+              <a:buClr>
+                <a:srgbClr val="000000"/>
+              </a:buClr>
+              <a:buSzPts val="1200"/>
+              <a:buFont typeface="Arial"/>
+              <a:buNone/>
+            </a:pPr>
+            <a:fld id="{00000000-1234-1234-1234-123412341234}" type="slidenum">
+              <a:rPr lang="cs-CZ" sz="1200" b="0" i="0" u="none" strike="noStrike" cap="none" smtClean="0">
+                <a:solidFill>
+                  <a:schemeClr val="dk1"/>
+                </a:solidFill>
+                <a:latin typeface="Calibri"/>
+                <a:ea typeface="Calibri"/>
+                <a:cs typeface="Calibri"/>
+                <a:sym typeface="Calibri"/>
+              </a:rPr>
+              <a:t>7</a:t>
+            </a:fld>
+            <a:endParaRPr lang="cs-CZ" sz="1200" b="0" i="0" u="none" strike="noStrike" cap="none">
+              <a:solidFill>
+                <a:schemeClr val="dk1"/>
+              </a:solidFill>
+              <a:latin typeface="Calibri"/>
+              <a:ea typeface="Calibri"/>
+              <a:cs typeface="Calibri"/>
+              <a:sym typeface="Calibri"/>
+            </a:endParaRPr>
+          </a:p>
+        </p:txBody>
+      </p:sp>
+    </p:spTree>
+    <p:extLst>
+      <p:ext uri="{BB962C8B-B14F-4D97-AF65-F5344CB8AC3E}">
+        <p14:creationId xmlns:p14="http://schemas.microsoft.com/office/powerpoint/2010/main" val="482863660"/>
+      </p:ext>
+    </p:extLst>
+  </p:cSld>
+  <p:clrMapOvr>
+    <a:masterClrMapping/>
+  </p:clrMapOvr>
+</p:notes>
 </file>
 
 <file path=ppt/slideLayouts/slideLayout1.xml><?xml version="1.0" encoding="utf-8"?>
@@ -14884,7 +15171,13 @@
           <a:p>
             <a:r>
               <a:rPr lang="cs-CZ" dirty="0"/>
-              <a:t>Při tvorbě RPG her, je velká část logiky, která se stále opakuje.</a:t>
+              <a:t>Při tvorbě RPG her je velká část opakujícího se kódu</a:t>
+            </a:r>
+          </a:p>
+          <a:p>
+            <a:r>
+              <a:rPr lang="cs-CZ" dirty="0"/>
+              <a:t>Programátor je nucen ho psát stále dokola</a:t>
             </a:r>
           </a:p>
           <a:p>

--- a/prezentace/obhajoba.pptx
+++ b/prezentace/obhajoba.pptx
@@ -5,7 +5,7 @@
     <p:sldMasterId id="2147483648" r:id="rId1"/>
   </p:sldMasterIdLst>
   <p:notesMasterIdLst>
-    <p:notesMasterId r:id="rId14"/>
+    <p:notesMasterId r:id="rId15"/>
   </p:notesMasterIdLst>
   <p:sldIdLst>
     <p:sldId id="273" r:id="rId2"/>
@@ -18,8 +18,9 @@
     <p:sldId id="267" r:id="rId9"/>
     <p:sldId id="268" r:id="rId10"/>
     <p:sldId id="269" r:id="rId11"/>
-    <p:sldId id="270" r:id="rId12"/>
-    <p:sldId id="271" r:id="rId13"/>
+    <p:sldId id="274" r:id="rId12"/>
+    <p:sldId id="270" r:id="rId13"/>
+    <p:sldId id="271" r:id="rId14"/>
   </p:sldIdLst>
   <p:sldSz cx="12192000" cy="7199313"/>
   <p:notesSz cx="6858000" cy="9144000"/>
@@ -268,7 +269,7 @@
       </p15:sldGuideLst>
     </p:ext>
     <p:ext uri="http://customooxmlschemas.google.com/">
-      <go:slidesCustomData xmlns:go="http://customooxmlschemas.google.com/" xmlns:ahyp="http://schemas.microsoft.com/office/drawing/2018/hyperlinkcolor" xmlns:p15="http://schemas.microsoft.com/office/powerpoint/2012/main" xmlns:p14="http://schemas.microsoft.com/office/powerpoint/2010/main" xmlns:com="http://schemas.openxmlformats.org/drawingml/2006/compatibility" xmlns:pvml="urn:schemas-microsoft-com:office:powerpoint" xmlns:v="urn:schemas-microsoft-com:vml" xmlns:o="urn:schemas-microsoft-com:office:office" xmlns:dgm="http://schemas.openxmlformats.org/drawingml/2006/diagram" xmlns:c="http://schemas.openxmlformats.org/drawingml/2006/chart" xmlns:mv="urn:schemas-microsoft-com:mac:vml" xmlns:mc="http://schemas.openxmlformats.org/markup-compatibility/2006" xmlns="" r:id="rId15" roundtripDataSignature="AMtx7mg9lZL0Z4XdrdguLmTmZ1IR0YPN+Q=="/>
+      <go:slidesCustomData xmlns:go="http://customooxmlschemas.google.com/" xmlns:ahyp="http://schemas.microsoft.com/office/drawing/2018/hyperlinkcolor" xmlns:p15="http://schemas.microsoft.com/office/powerpoint/2012/main" xmlns:p14="http://schemas.microsoft.com/office/powerpoint/2010/main" xmlns:com="http://schemas.openxmlformats.org/drawingml/2006/compatibility" xmlns:pvml="urn:schemas-microsoft-com:office:powerpoint" xmlns:v="urn:schemas-microsoft-com:vml" xmlns:o="urn:schemas-microsoft-com:office:office" xmlns:dgm="http://schemas.openxmlformats.org/drawingml/2006/diagram" xmlns:c="http://schemas.openxmlformats.org/drawingml/2006/chart" xmlns:mv="urn:schemas-microsoft-com:mac:vml" xmlns:mc="http://schemas.openxmlformats.org/markup-compatibility/2006" xmlns="" r:id="rId16" roundtripDataSignature="AMtx7mg9lZL0Z4XdrdguLmTmZ1IR0YPN+Q=="/>
     </p:ext>
   </p:extLst>
 </p:presentation>
@@ -1931,17 +1932,16 @@
             </a:r>
             <a:r>
               <a:rPr lang="cs-CZ" dirty="0"/>
-              <a:t> s pár vývojáři, ale pro větší je výhodnější </a:t>
+              <a:t> s pár vývojáři, ale pro větší studia je výhodnější </a:t>
             </a:r>
             <a:r>
               <a:rPr lang="cs-CZ" dirty="0" err="1"/>
               <a:t>Unreal</a:t>
             </a:r>
             <a:r>
-              <a:rPr lang="cs-CZ"/>
+              <a:rPr lang="cs-CZ" dirty="0"/>
               <a:t> nebo CRYENGINE</a:t>
             </a:r>
-            <a:endParaRPr lang="cs-CZ" dirty="0"/>
           </a:p>
         </p:txBody>
       </p:sp>
@@ -14658,9 +14658,18 @@
             </a:pPr>
             <a:r>
               <a:rPr lang="cs-CZ" b="1" dirty="0"/>
-              <a:t>Martin Novák</a:t>
+              <a:t>Autor: Martin Novák</a:t>
             </a:r>
-            <a:endParaRPr lang="cs-CZ" sz="1400" dirty="0"/>
+          </a:p>
+          <a:p>
+            <a:pPr marL="0" indent="0" algn="ctr">
+              <a:buSzPts val="2800"/>
+              <a:buNone/>
+            </a:pPr>
+            <a:r>
+              <a:rPr lang="cs-CZ" b="1" dirty="0"/>
+              <a:t>Vedoucí práce: Ing. Marek Pačes</a:t>
+            </a:r>
           </a:p>
           <a:p>
             <a:pPr marL="0" indent="0"/>
@@ -14749,19 +14758,30 @@
           <a:p>
             <a:r>
               <a:rPr lang="cs-CZ" dirty="0"/>
-              <a:t>K realizaci byl zvolen C# pro svou čitelnost a kompatibilitu .NET</a:t>
+              <a:t>K realizaci byl zvolen C# protože podporuje dva ze tří největších herních </a:t>
+            </a:r>
+            <a:r>
+              <a:rPr lang="cs-CZ" dirty="0" err="1"/>
+              <a:t>enginů</a:t>
+            </a:r>
+            <a:endParaRPr lang="cs-CZ" dirty="0"/>
+          </a:p>
+          <a:p>
+            <a:r>
+              <a:rPr lang="cs-CZ" dirty="0"/>
+              <a:t>Výhodou C# oproti C++ je lepší čitelnost a kompatibilita s .NET</a:t>
             </a:r>
           </a:p>
           <a:p>
             <a:r>
               <a:rPr lang="cs-CZ" dirty="0"/>
-              <a:t>Ačkoliv má procedurální generování mapy mouchy je vhodným základem, který si může programátor upravit dle svých potřeb</a:t>
+              <a:t>Byla vytvořena univerzální knihovna řešící kopírování opakující se logiky v RPG hrách</a:t>
             </a:r>
           </a:p>
           <a:p>
             <a:r>
               <a:rPr lang="cs-CZ" dirty="0"/>
-              <a:t>Knihovna by měla být bez problémů použitelná pro všechny RPG a akční hry se soubojovým systémem</a:t>
+              <a:t>Knihovna by měla být bez problémů použitelná pro všechny RPG a hry se soubojovým systémem</a:t>
             </a:r>
           </a:p>
           <a:p>
@@ -14843,6 +14863,128 @@
           <p:cNvPr id="2" name="Nadpis 1">
             <a:extLst>
               <a:ext uri="{FF2B5EF4-FFF2-40B4-BE49-F238E27FC236}">
+                <a16:creationId xmlns:a16="http://schemas.microsoft.com/office/drawing/2014/main" id="{A56067FB-AABD-0F4C-89D0-D4BAE4F81F25}"/>
+              </a:ext>
+            </a:extLst>
+          </p:cNvPr>
+          <p:cNvSpPr>
+            <a:spLocks noGrp="1"/>
+          </p:cNvSpPr>
+          <p:nvPr>
+            <p:ph type="title"/>
+          </p:nvPr>
+        </p:nvSpPr>
+        <p:spPr/>
+        <p:txBody>
+          <a:bodyPr/>
+          <a:lstStyle/>
+          <a:p>
+            <a:endParaRPr lang="cs-CZ" dirty="0"/>
+          </a:p>
+        </p:txBody>
+      </p:sp>
+      <p:sp>
+        <p:nvSpPr>
+          <p:cNvPr id="3" name="Zástupný text 2">
+            <a:extLst>
+              <a:ext uri="{FF2B5EF4-FFF2-40B4-BE49-F238E27FC236}">
+                <a16:creationId xmlns:a16="http://schemas.microsoft.com/office/drawing/2014/main" id="{7F11784E-AC65-AAC7-3A0A-A60E6EF0863A}"/>
+              </a:ext>
+            </a:extLst>
+          </p:cNvPr>
+          <p:cNvSpPr>
+            <a:spLocks noGrp="1"/>
+          </p:cNvSpPr>
+          <p:nvPr>
+            <p:ph type="body" idx="1"/>
+          </p:nvPr>
+        </p:nvSpPr>
+        <p:spPr/>
+        <p:txBody>
+          <a:bodyPr/>
+          <a:lstStyle/>
+          <a:p>
+            <a:r>
+              <a:rPr lang="cs-CZ" dirty="0"/>
+              <a:t>Děkuji za pozornost</a:t>
+            </a:r>
+          </a:p>
+          <a:p>
+            <a:endParaRPr lang="cs-CZ" dirty="0"/>
+          </a:p>
+          <a:p>
+            <a:pPr marL="114300" indent="0">
+              <a:buNone/>
+            </a:pPr>
+            <a:endParaRPr lang="cs-CZ" dirty="0"/>
+          </a:p>
+        </p:txBody>
+      </p:sp>
+      <p:sp>
+        <p:nvSpPr>
+          <p:cNvPr id="4" name="Zástupný symbol pro číslo snímku 3">
+            <a:extLst>
+              <a:ext uri="{FF2B5EF4-FFF2-40B4-BE49-F238E27FC236}">
+                <a16:creationId xmlns:a16="http://schemas.microsoft.com/office/drawing/2014/main" id="{1F9131DD-D9B3-D7CF-7944-38A8AC9A76FB}"/>
+              </a:ext>
+            </a:extLst>
+          </p:cNvPr>
+          <p:cNvSpPr>
+            <a:spLocks noGrp="1"/>
+          </p:cNvSpPr>
+          <p:nvPr>
+            <p:ph type="sldNum" idx="12"/>
+          </p:nvPr>
+        </p:nvSpPr>
+        <p:spPr/>
+        <p:txBody>
+          <a:bodyPr/>
+          <a:lstStyle/>
+          <a:p>
+            <a:fld id="{00000000-1234-1234-1234-123412341234}" type="slidenum">
+              <a:rPr lang="cs-CZ" smtClean="0"/>
+              <a:pPr/>
+              <a:t>11</a:t>
+            </a:fld>
+            <a:endParaRPr lang="cs-CZ"/>
+          </a:p>
+        </p:txBody>
+      </p:sp>
+    </p:spTree>
+    <p:extLst>
+      <p:ext uri="{BB962C8B-B14F-4D97-AF65-F5344CB8AC3E}">
+        <p14:creationId xmlns:p14="http://schemas.microsoft.com/office/powerpoint/2010/main" val="2837279902"/>
+      </p:ext>
+    </p:extLst>
+  </p:cSld>
+  <p:clrMapOvr>
+    <a:masterClrMapping/>
+  </p:clrMapOvr>
+</p:sld>
+</file>
+
+<file path=ppt/slides/slide12.xml><?xml version="1.0" encoding="utf-8"?>
+<p:sld xmlns:a="http://schemas.openxmlformats.org/drawingml/2006/main" xmlns:r="http://schemas.openxmlformats.org/officeDocument/2006/relationships" xmlns:p="http://schemas.openxmlformats.org/presentationml/2006/main">
+  <p:cSld>
+    <p:spTree>
+      <p:nvGrpSpPr>
+        <p:cNvPr id="1" name=""/>
+        <p:cNvGrpSpPr/>
+        <p:nvPr/>
+      </p:nvGrpSpPr>
+      <p:grpSpPr>
+        <a:xfrm>
+          <a:off x="0" y="0"/>
+          <a:ext cx="0" cy="0"/>
+          <a:chOff x="0" y="0"/>
+          <a:chExt cx="0" cy="0"/>
+        </a:xfrm>
+      </p:grpSpPr>
+      <p:sp>
+        <p:nvSpPr>
+          <p:cNvPr id="2" name="Nadpis 1">
+            <a:extLst>
+              <a:ext uri="{FF2B5EF4-FFF2-40B4-BE49-F238E27FC236}">
                 <a16:creationId xmlns:a16="http://schemas.microsoft.com/office/drawing/2014/main" id="{E1AB4F74-CA76-1DC5-C9BC-0869D97B08F1}"/>
               </a:ext>
             </a:extLst>
@@ -14938,7 +15080,7 @@
             <a:fld id="{00000000-1234-1234-1234-123412341234}" type="slidenum">
               <a:rPr lang="cs-CZ" smtClean="0"/>
               <a:pPr/>
-              <a:t>11</a:t>
+              <a:t>12</a:t>
             </a:fld>
             <a:endParaRPr lang="cs-CZ"/>
           </a:p>
@@ -14957,7 +15099,7 @@
 </p:sld>
 </file>
 
-<file path=ppt/slides/slide12.xml><?xml version="1.0" encoding="utf-8"?>
+<file path=ppt/slides/slide13.xml><?xml version="1.0" encoding="utf-8"?>
 <p:sld xmlns:a="http://schemas.openxmlformats.org/drawingml/2006/main" xmlns:r="http://schemas.openxmlformats.org/officeDocument/2006/relationships" xmlns:p="http://schemas.openxmlformats.org/presentationml/2006/main">
   <p:cSld>
     <p:spTree>
@@ -15084,7 +15226,7 @@
             <a:fld id="{00000000-1234-1234-1234-123412341234}" type="slidenum">
               <a:rPr lang="cs-CZ" smtClean="0"/>
               <a:pPr/>
-              <a:t>12</a:t>
+              <a:t>13</a:t>
             </a:fld>
             <a:endParaRPr lang="cs-CZ"/>
           </a:p>
@@ -15296,30 +15438,13 @@
           <a:p>
             <a:r>
               <a:rPr lang="cs-CZ" dirty="0"/>
-              <a:t>Výběr programovacího jazyku</a:t>
+              <a:t>Vytvoření univerzální knihovny</a:t>
             </a:r>
           </a:p>
           <a:p>
             <a:r>
               <a:rPr lang="cs-CZ" dirty="0"/>
-              <a:t>Představení uživatelská rozhraní a herní </a:t>
-            </a:r>
-            <a:r>
-              <a:rPr lang="cs-CZ" dirty="0" err="1"/>
-              <a:t>enginy</a:t>
-            </a:r>
-            <a:endParaRPr lang="cs-CZ" dirty="0"/>
-          </a:p>
-          <a:p>
-            <a:r>
-              <a:rPr lang="cs-CZ" dirty="0"/>
-              <a:t>Vytvoření knihovny</a:t>
-            </a:r>
-          </a:p>
-          <a:p>
-            <a:r>
-              <a:rPr lang="cs-CZ" dirty="0"/>
-              <a:t>Vytvoření vzorové implementace</a:t>
+              <a:t>Vytvoření vzorové implementace knihovny</a:t>
             </a:r>
           </a:p>
         </p:txBody>
@@ -15437,20 +15562,13 @@
           <a:p>
             <a:r>
               <a:rPr lang="cs-CZ" dirty="0"/>
-              <a:t>Výběr programovacího jazyku</a:t>
-            </a:r>
-          </a:p>
-          <a:p>
-            <a:pPr lvl="1"/>
-            <a:r>
-              <a:rPr lang="cs-CZ" dirty="0"/>
-              <a:t>Porovnání C++, Javy a C#</a:t>
+              <a:t>Komparace uvažovaných programovacích jazyků podle zvolených kritérií</a:t>
             </a:r>
           </a:p>
           <a:p>
             <a:r>
               <a:rPr lang="cs-CZ" dirty="0"/>
-              <a:t>Představení uživatelská rozhraní a herní </a:t>
+              <a:t>porovnání uživatelská rozhraní a herní </a:t>
             </a:r>
             <a:r>
               <a:rPr lang="cs-CZ" dirty="0" err="1"/>
@@ -15459,55 +15577,15 @@
             <a:endParaRPr lang="cs-CZ" dirty="0"/>
           </a:p>
           <a:p>
-            <a:pPr lvl="1"/>
             <a:r>
               <a:rPr lang="cs-CZ" dirty="0"/>
-              <a:t>Představení typů uživatelských rozhraní a uvedení příkladů pro .NET</a:t>
-            </a:r>
-          </a:p>
-          <a:p>
-            <a:pPr lvl="1"/>
-            <a:r>
-              <a:rPr lang="cs-CZ" dirty="0"/>
-              <a:t>Představení tří nejpoužívanějších herních </a:t>
-            </a:r>
-            <a:r>
-              <a:rPr lang="cs-CZ" dirty="0" err="1"/>
-              <a:t>enginů</a:t>
-            </a:r>
-            <a:endParaRPr lang="cs-CZ" dirty="0"/>
-          </a:p>
-          <a:p>
-            <a:r>
-              <a:rPr lang="cs-CZ" dirty="0"/>
-              <a:t>Vytvoření knihovny</a:t>
-            </a:r>
-          </a:p>
-          <a:p>
-            <a:pPr lvl="1"/>
-            <a:r>
-              <a:rPr lang="cs-CZ" dirty="0"/>
-              <a:t>Návrh knihovny</a:t>
-            </a:r>
-          </a:p>
-          <a:p>
-            <a:pPr lvl="1"/>
-            <a:r>
-              <a:rPr lang="cs-CZ" dirty="0"/>
-              <a:t>Realizace knihovny podle návrhu</a:t>
+              <a:t>Vlastní realizace univerzální knihovny</a:t>
             </a:r>
           </a:p>
           <a:p>
             <a:r>
               <a:rPr lang="cs-CZ" dirty="0"/>
-              <a:t>Vytvoření vzorové implementace</a:t>
-            </a:r>
-          </a:p>
-          <a:p>
-            <a:pPr lvl="1"/>
-            <a:r>
-              <a:rPr lang="cs-CZ" dirty="0"/>
-              <a:t>Vytvoření okenní aplikace umožňující si vyzkoušet jak knihovna funguje</a:t>
+              <a:t>Vytvoření vzorové implementace pro potřeby testování</a:t>
             </a:r>
           </a:p>
         </p:txBody>

--- a/prezentace/obhajoba.pptx
+++ b/prezentace/obhajoba.pptx
@@ -14885,43 +14885,6 @@
       </p:sp>
       <p:sp>
         <p:nvSpPr>
-          <p:cNvPr id="3" name="Zástupný text 2">
-            <a:extLst>
-              <a:ext uri="{FF2B5EF4-FFF2-40B4-BE49-F238E27FC236}">
-                <a16:creationId xmlns:a16="http://schemas.microsoft.com/office/drawing/2014/main" id="{7F11784E-AC65-AAC7-3A0A-A60E6EF0863A}"/>
-              </a:ext>
-            </a:extLst>
-          </p:cNvPr>
-          <p:cNvSpPr>
-            <a:spLocks noGrp="1"/>
-          </p:cNvSpPr>
-          <p:nvPr>
-            <p:ph type="body" idx="1"/>
-          </p:nvPr>
-        </p:nvSpPr>
-        <p:spPr/>
-        <p:txBody>
-          <a:bodyPr/>
-          <a:lstStyle/>
-          <a:p>
-            <a:r>
-              <a:rPr lang="cs-CZ" dirty="0"/>
-              <a:t>Děkuji za pozornost</a:t>
-            </a:r>
-          </a:p>
-          <a:p>
-            <a:endParaRPr lang="cs-CZ" dirty="0"/>
-          </a:p>
-          <a:p>
-            <a:pPr marL="114300" indent="0">
-              <a:buNone/>
-            </a:pPr>
-            <a:endParaRPr lang="cs-CZ" dirty="0"/>
-          </a:p>
-        </p:txBody>
-      </p:sp>
-      <p:sp>
-        <p:nvSpPr>
           <p:cNvPr id="4" name="Zástupný symbol pro číslo snímku 3">
             <a:extLst>
               <a:ext uri="{FF2B5EF4-FFF2-40B4-BE49-F238E27FC236}">
@@ -14947,6 +14910,41 @@
               <a:t>11</a:t>
             </a:fld>
             <a:endParaRPr lang="cs-CZ"/>
+          </a:p>
+        </p:txBody>
+      </p:sp>
+      <p:sp>
+        <p:nvSpPr>
+          <p:cNvPr id="7" name="TextovéPole 6">
+            <a:extLst>
+              <a:ext uri="{FF2B5EF4-FFF2-40B4-BE49-F238E27FC236}">
+                <a16:creationId xmlns:a16="http://schemas.microsoft.com/office/drawing/2014/main" id="{E5E7A004-20AF-C1BD-3FF5-5FF0CF84F263}"/>
+              </a:ext>
+            </a:extLst>
+          </p:cNvPr>
+          <p:cNvSpPr txBox="1"/>
+          <p:nvPr/>
+        </p:nvSpPr>
+        <p:spPr>
+          <a:xfrm>
+            <a:off x="3386667" y="3184157"/>
+            <a:ext cx="5596404" cy="830997"/>
+          </a:xfrm>
+          <a:prstGeom prst="rect">
+            <a:avLst/>
+          </a:prstGeom>
+          <a:noFill/>
+        </p:spPr>
+        <p:txBody>
+          <a:bodyPr wrap="none" rtlCol="0">
+            <a:spAutoFit/>
+          </a:bodyPr>
+          <a:lstStyle/>
+          <a:p>
+            <a:r>
+              <a:rPr lang="cs-CZ" sz="4800" dirty="0"/>
+              <a:t>Děkuji za pozornost</a:t>
+            </a:r>
           </a:p>
         </p:txBody>
       </p:sp>
@@ -15568,11 +15566,11 @@
           <a:p>
             <a:r>
               <a:rPr lang="cs-CZ" dirty="0"/>
-              <a:t>porovnání uživatelská rozhraní a herní </a:t>
+              <a:t>porovnání uživatelských rozhraní pro .NET a herních </a:t>
             </a:r>
             <a:r>
               <a:rPr lang="cs-CZ" dirty="0" err="1"/>
-              <a:t>enginy</a:t>
+              <a:t>enginů</a:t>
             </a:r>
             <a:endParaRPr lang="cs-CZ" dirty="0"/>
           </a:p>
@@ -15673,7 +15671,7 @@
           <a:p>
             <a:r>
               <a:rPr lang="cs-CZ" dirty="0"/>
-              <a:t>Výběr programovacího jazyku</a:t>
+              <a:t>Komparace uvažovaných programovacích jazyků</a:t>
             </a:r>
           </a:p>
         </p:txBody>
@@ -17573,7 +17571,7 @@
           <a:p>
             <a:r>
               <a:rPr lang="cs-CZ" dirty="0"/>
-              <a:t>Představení typů uživatelských rozhraní</a:t>
+              <a:t>porovnání uživatelských rozhraní</a:t>
             </a:r>
           </a:p>
         </p:txBody>
@@ -17608,36 +17606,470 @@
           </a:p>
         </p:txBody>
       </p:sp>
-      <p:pic>
-        <p:nvPicPr>
-          <p:cNvPr id="5" name="Obrázek 4">
+      <p:graphicFrame>
+        <p:nvGraphicFramePr>
+          <p:cNvPr id="3" name="Tabulka 5">
             <a:extLst>
               <a:ext uri="{FF2B5EF4-FFF2-40B4-BE49-F238E27FC236}">
-                <a16:creationId xmlns:a16="http://schemas.microsoft.com/office/drawing/2014/main" id="{18C340BB-B2A1-1D13-12C3-D4E3B5B1B06B}"/>
+                <a16:creationId xmlns:a16="http://schemas.microsoft.com/office/drawing/2014/main" id="{0155AB96-F904-BAA3-A871-F2B690534B24}"/>
               </a:ext>
             </a:extLst>
           </p:cNvPr>
-          <p:cNvPicPr>
-            <a:picLocks noChangeAspect="1"/>
-          </p:cNvPicPr>
-          <p:nvPr/>
-        </p:nvPicPr>
-        <p:blipFill>
-          <a:blip r:embed="rId2"/>
-          <a:stretch>
-            <a:fillRect/>
-          </a:stretch>
-        </p:blipFill>
-        <p:spPr>
-          <a:xfrm>
-            <a:off x="1685925" y="1049901"/>
-            <a:ext cx="9855816" cy="5672532"/>
-          </a:xfrm>
-          <a:prstGeom prst="rect">
-            <a:avLst/>
-          </a:prstGeom>
-        </p:spPr>
-      </p:pic>
+          <p:cNvGraphicFramePr>
+            <a:graphicFrameLocks noGrp="1"/>
+          </p:cNvGraphicFramePr>
+          <p:nvPr>
+            <p:extLst>
+              <p:ext uri="{D42A27DB-BD31-4B8C-83A1-F6EECF244321}">
+                <p14:modId xmlns:p14="http://schemas.microsoft.com/office/powerpoint/2010/main" val="3977257634"/>
+              </p:ext>
+            </p:extLst>
+          </p:nvPr>
+        </p:nvGraphicFramePr>
+        <p:xfrm>
+          <a:off x="327378" y="1556367"/>
+          <a:ext cx="11604979" cy="3951482"/>
+        </p:xfrm>
+        <a:graphic>
+          <a:graphicData uri="http://schemas.openxmlformats.org/drawingml/2006/table">
+            <a:tbl>
+              <a:tblPr firstRow="1" bandRow="1">
+                <a:tableStyleId>{5940675A-B579-460E-94D1-54222C63F5DA}</a:tableStyleId>
+              </a:tblPr>
+              <a:tblGrid>
+                <a:gridCol w="1580444">
+                  <a:extLst>
+                    <a:ext uri="{9D8B030D-6E8A-4147-A177-3AD203B41FA5}">
+                      <a16:colId xmlns:a16="http://schemas.microsoft.com/office/drawing/2014/main" val="118925391"/>
+                    </a:ext>
+                  </a:extLst>
+                </a:gridCol>
+                <a:gridCol w="3872089">
+                  <a:extLst>
+                    <a:ext uri="{9D8B030D-6E8A-4147-A177-3AD203B41FA5}">
+                      <a16:colId xmlns:a16="http://schemas.microsoft.com/office/drawing/2014/main" val="1808954872"/>
+                    </a:ext>
+                  </a:extLst>
+                </a:gridCol>
+                <a:gridCol w="3251201">
+                  <a:extLst>
+                    <a:ext uri="{9D8B030D-6E8A-4147-A177-3AD203B41FA5}">
+                      <a16:colId xmlns:a16="http://schemas.microsoft.com/office/drawing/2014/main" val="162510989"/>
+                    </a:ext>
+                  </a:extLst>
+                </a:gridCol>
+                <a:gridCol w="2901245">
+                  <a:extLst>
+                    <a:ext uri="{9D8B030D-6E8A-4147-A177-3AD203B41FA5}">
+                      <a16:colId xmlns:a16="http://schemas.microsoft.com/office/drawing/2014/main" val="3809194893"/>
+                    </a:ext>
+                  </a:extLst>
+                </a:gridCol>
+              </a:tblGrid>
+              <a:tr h="385322">
+                <a:tc>
+                  <a:txBody>
+                    <a:bodyPr/>
+                    <a:lstStyle/>
+                    <a:p>
+                      <a:endParaRPr lang="cs-CZ"/>
+                    </a:p>
+                  </a:txBody>
+                  <a:tcPr/>
+                </a:tc>
+                <a:tc>
+                  <a:txBody>
+                    <a:bodyPr/>
+                    <a:lstStyle/>
+                    <a:p>
+                      <a:r>
+                        <a:rPr lang="cs-CZ" b="1" dirty="0"/>
+                        <a:t>použití</a:t>
+                      </a:r>
+                    </a:p>
+                  </a:txBody>
+                  <a:tcPr/>
+                </a:tc>
+                <a:tc>
+                  <a:txBody>
+                    <a:bodyPr/>
+                    <a:lstStyle/>
+                    <a:p>
+                      <a:r>
+                        <a:rPr lang="cs-CZ" b="1" dirty="0"/>
+                        <a:t>výhody</a:t>
+                      </a:r>
+                    </a:p>
+                  </a:txBody>
+                  <a:tcPr/>
+                </a:tc>
+                <a:tc>
+                  <a:txBody>
+                    <a:bodyPr/>
+                    <a:lstStyle/>
+                    <a:p>
+                      <a:r>
+                        <a:rPr lang="cs-CZ" b="1" dirty="0"/>
+                        <a:t>nevýhody</a:t>
+                      </a:r>
+                    </a:p>
+                  </a:txBody>
+                  <a:tcPr/>
+                </a:tc>
+                <a:extLst>
+                  <a:ext uri="{0D108BD9-81ED-4DB2-BD59-A6C34878D82A}">
+                    <a16:rowId xmlns:a16="http://schemas.microsoft.com/office/drawing/2014/main" val="4036211627"/>
+                  </a:ext>
+                </a:extLst>
+              </a:tr>
+              <a:tr h="370840">
+                <a:tc>
+                  <a:txBody>
+                    <a:bodyPr/>
+                    <a:lstStyle/>
+                    <a:p>
+                      <a:r>
+                        <a:rPr lang="cs-CZ" b="1" dirty="0"/>
+                        <a:t>Konzole</a:t>
+                      </a:r>
+                    </a:p>
+                  </a:txBody>
+                  <a:tcPr/>
+                </a:tc>
+                <a:tc>
+                  <a:txBody>
+                    <a:bodyPr/>
+                    <a:lstStyle/>
+                    <a:p>
+                      <a:r>
+                        <a:rPr lang="cs-CZ" dirty="0"/>
+                        <a:t>automatizace</a:t>
+                      </a:r>
+                    </a:p>
+                  </a:txBody>
+                  <a:tcPr/>
+                </a:tc>
+                <a:tc>
+                  <a:txBody>
+                    <a:bodyPr/>
+                    <a:lstStyle/>
+                    <a:p>
+                      <a:r>
+                        <a:rPr lang="cs-CZ" dirty="0"/>
+                        <a:t>Rychlé a jednoduché</a:t>
+                      </a:r>
+                    </a:p>
+                    <a:p>
+                      <a:r>
+                        <a:rPr lang="cs-CZ" dirty="0"/>
+                        <a:t>Stabilní</a:t>
+                      </a:r>
+                    </a:p>
+                    <a:p>
+                      <a:r>
+                        <a:rPr lang="cs-CZ" dirty="0"/>
+                        <a:t>Vhodné pro testování</a:t>
+                      </a:r>
+                    </a:p>
+                    <a:p>
+                      <a:r>
+                        <a:rPr lang="cs-CZ" dirty="0" err="1"/>
+                        <a:t>Cross-platform</a:t>
+                      </a:r>
+                      <a:endParaRPr lang="cs-CZ" dirty="0"/>
+                    </a:p>
+                  </a:txBody>
+                  <a:tcPr/>
+                </a:tc>
+                <a:tc>
+                  <a:txBody>
+                    <a:bodyPr/>
+                    <a:lstStyle/>
+                    <a:p>
+                      <a:r>
+                        <a:rPr lang="cs-CZ" dirty="0"/>
+                        <a:t>Nevhodné pro běžného uživatele</a:t>
+                      </a:r>
+                    </a:p>
+                  </a:txBody>
+                  <a:tcPr/>
+                </a:tc>
+                <a:extLst>
+                  <a:ext uri="{0D108BD9-81ED-4DB2-BD59-A6C34878D82A}">
+                    <a16:rowId xmlns:a16="http://schemas.microsoft.com/office/drawing/2014/main" val="274455474"/>
+                  </a:ext>
+                </a:extLst>
+              </a:tr>
+              <a:tr h="370840">
+                <a:tc>
+                  <a:txBody>
+                    <a:bodyPr/>
+                    <a:lstStyle/>
+                    <a:p>
+                      <a:r>
+                        <a:rPr lang="cs-CZ" b="1" dirty="0"/>
+                        <a:t>WinForm</a:t>
+                      </a:r>
+                    </a:p>
+                  </a:txBody>
+                  <a:tcPr/>
+                </a:tc>
+                <a:tc>
+                  <a:txBody>
+                    <a:bodyPr/>
+                    <a:lstStyle/>
+                    <a:p>
+                      <a:r>
+                        <a:rPr lang="cs-CZ" dirty="0"/>
+                        <a:t>Jednoduché UI</a:t>
+                      </a:r>
+                    </a:p>
+                    <a:p>
+                      <a:r>
+                        <a:rPr lang="cs-CZ" dirty="0"/>
+                        <a:t>Rychlý vývoj</a:t>
+                      </a:r>
+                    </a:p>
+                  </a:txBody>
+                  <a:tcPr/>
+                </a:tc>
+                <a:tc>
+                  <a:txBody>
+                    <a:bodyPr/>
+                    <a:lstStyle/>
+                    <a:p>
+                      <a:r>
+                        <a:rPr lang="cs-CZ" dirty="0"/>
+                        <a:t>Rychlé a jednoduché</a:t>
+                      </a:r>
+                    </a:p>
+                    <a:p>
+                      <a:r>
+                        <a:rPr lang="cs-CZ" dirty="0"/>
+                        <a:t>Hodně používané</a:t>
+                      </a:r>
+                    </a:p>
+                    <a:p>
+                      <a:r>
+                        <a:rPr lang="cs-CZ" dirty="0"/>
+                        <a:t>Spolehlivé</a:t>
+                      </a:r>
+                    </a:p>
+                    <a:p>
+                      <a:r>
+                        <a:rPr lang="cs-CZ" dirty="0"/>
+                        <a:t>Použitelné při vzdálené ploše</a:t>
+                      </a:r>
+                    </a:p>
+                  </a:txBody>
+                  <a:tcPr/>
+                </a:tc>
+                <a:tc>
+                  <a:txBody>
+                    <a:bodyPr/>
+                    <a:lstStyle/>
+                    <a:p>
+                      <a:r>
+                        <a:rPr lang="cs-CZ" dirty="0"/>
+                        <a:t>Veškerou práci dělá CPU</a:t>
+                      </a:r>
+                    </a:p>
+                    <a:p>
+                      <a:r>
+                        <a:rPr lang="cs-CZ" dirty="0"/>
+                        <a:t>Obtížná změna velikosti</a:t>
+                      </a:r>
+                    </a:p>
+                  </a:txBody>
+                  <a:tcPr/>
+                </a:tc>
+                <a:extLst>
+                  <a:ext uri="{0D108BD9-81ED-4DB2-BD59-A6C34878D82A}">
+                    <a16:rowId xmlns:a16="http://schemas.microsoft.com/office/drawing/2014/main" val="3953841490"/>
+                  </a:ext>
+                </a:extLst>
+              </a:tr>
+              <a:tr h="370840">
+                <a:tc>
+                  <a:txBody>
+                    <a:bodyPr/>
+                    <a:lstStyle/>
+                    <a:p>
+                      <a:r>
+                        <a:rPr lang="cs-CZ" b="1" dirty="0"/>
+                        <a:t>WPF</a:t>
+                      </a:r>
+                    </a:p>
+                  </a:txBody>
+                  <a:tcPr/>
+                </a:tc>
+                <a:tc>
+                  <a:txBody>
+                    <a:bodyPr/>
+                    <a:lstStyle/>
+                    <a:p>
+                      <a:r>
+                        <a:rPr lang="cs-CZ" dirty="0"/>
+                        <a:t>Výkonné UI</a:t>
+                      </a:r>
+                    </a:p>
+                  </a:txBody>
+                  <a:tcPr/>
+                </a:tc>
+                <a:tc>
+                  <a:txBody>
+                    <a:bodyPr/>
+                    <a:lstStyle/>
+                    <a:p>
+                      <a:r>
+                        <a:rPr lang="cs-CZ" dirty="0"/>
+                        <a:t>DirectX</a:t>
+                      </a:r>
+                    </a:p>
+                    <a:p>
+                      <a:r>
+                        <a:rPr lang="cs-CZ" dirty="0"/>
+                        <a:t>Moderní design</a:t>
+                      </a:r>
+                    </a:p>
+                    <a:p>
+                      <a:r>
+                        <a:rPr lang="cs-CZ" dirty="0"/>
+                        <a:t>MVVM </a:t>
+                      </a:r>
+                      <a:r>
+                        <a:rPr lang="cs-CZ" dirty="0" err="1"/>
+                        <a:t>pattern</a:t>
+                      </a:r>
+                      <a:endParaRPr lang="cs-CZ" dirty="0"/>
+                    </a:p>
+                    <a:p>
+                      <a:r>
+                        <a:rPr lang="cs-CZ" dirty="0"/>
+                        <a:t>Designer nemusí umět programovat</a:t>
+                      </a:r>
+                    </a:p>
+                  </a:txBody>
+                  <a:tcPr/>
+                </a:tc>
+                <a:tc>
+                  <a:txBody>
+                    <a:bodyPr/>
+                    <a:lstStyle/>
+                    <a:p>
+                      <a:r>
+                        <a:rPr lang="cs-CZ" dirty="0"/>
+                        <a:t>Pomalý vývoj</a:t>
+                      </a:r>
+                    </a:p>
+                    <a:p>
+                      <a:r>
+                        <a:rPr lang="cs-CZ" dirty="0"/>
+                        <a:t>XAML</a:t>
+                      </a:r>
+                    </a:p>
+                  </a:txBody>
+                  <a:tcPr/>
+                </a:tc>
+                <a:extLst>
+                  <a:ext uri="{0D108BD9-81ED-4DB2-BD59-A6C34878D82A}">
+                    <a16:rowId xmlns:a16="http://schemas.microsoft.com/office/drawing/2014/main" val="1882315354"/>
+                  </a:ext>
+                </a:extLst>
+              </a:tr>
+              <a:tr h="370840">
+                <a:tc>
+                  <a:txBody>
+                    <a:bodyPr/>
+                    <a:lstStyle/>
+                    <a:p>
+                      <a:r>
+                        <a:rPr lang="cs-CZ" b="1" dirty="0" err="1"/>
+                        <a:t>Xamarin</a:t>
+                      </a:r>
+                      <a:r>
+                        <a:rPr lang="cs-CZ" b="1" dirty="0"/>
+                        <a:t>/MAUI</a:t>
+                      </a:r>
+                    </a:p>
+                  </a:txBody>
+                  <a:tcPr/>
+                </a:tc>
+                <a:tc>
+                  <a:txBody>
+                    <a:bodyPr/>
+                    <a:lstStyle/>
+                    <a:p>
+                      <a:r>
+                        <a:rPr lang="cs-CZ" dirty="0"/>
+                        <a:t>Aplikace pro Windows10/11 a Xbox</a:t>
+                      </a:r>
+                    </a:p>
+                    <a:p>
+                      <a:r>
+                        <a:rPr lang="cs-CZ" dirty="0"/>
+                        <a:t>Mobilní aplikace</a:t>
+                      </a:r>
+                    </a:p>
+                  </a:txBody>
+                  <a:tcPr/>
+                </a:tc>
+                <a:tc>
+                  <a:txBody>
+                    <a:bodyPr/>
+                    <a:lstStyle/>
+                    <a:p>
+                      <a:r>
+                        <a:rPr lang="cs-CZ" dirty="0" err="1"/>
+                        <a:t>Sandbox</a:t>
+                      </a:r>
+                      <a:endParaRPr lang="cs-CZ" dirty="0"/>
+                    </a:p>
+                    <a:p>
+                      <a:r>
+                        <a:rPr lang="cs-CZ" dirty="0"/>
+                        <a:t>Distribuce přes obchod</a:t>
+                      </a:r>
+                    </a:p>
+                  </a:txBody>
+                  <a:tcPr/>
+                </a:tc>
+                <a:tc>
+                  <a:txBody>
+                    <a:bodyPr/>
+                    <a:lstStyle/>
+                    <a:p>
+                      <a:r>
+                        <a:rPr lang="cs-CZ" dirty="0" err="1"/>
+                        <a:t>Sandbox</a:t>
+                      </a:r>
+                      <a:endParaRPr lang="cs-CZ" dirty="0"/>
+                    </a:p>
+                    <a:p>
+                      <a:r>
+                        <a:rPr lang="cs-CZ" dirty="0"/>
+                        <a:t>Nefunguje pro starší Windows</a:t>
+                      </a:r>
+                    </a:p>
+                    <a:p>
+                      <a:r>
+                        <a:rPr lang="cs-CZ" dirty="0"/>
+                        <a:t>Obtížná distribuce</a:t>
+                      </a:r>
+                    </a:p>
+                  </a:txBody>
+                  <a:tcPr/>
+                </a:tc>
+                <a:extLst>
+                  <a:ext uri="{0D108BD9-81ED-4DB2-BD59-A6C34878D82A}">
+                    <a16:rowId xmlns:a16="http://schemas.microsoft.com/office/drawing/2014/main" val="2889852098"/>
+                  </a:ext>
+                </a:extLst>
+              </a:tr>
+            </a:tbl>
+          </a:graphicData>
+        </a:graphic>
+      </p:graphicFrame>
     </p:spTree>
     <p:extLst>
       <p:ext uri="{BB962C8B-B14F-4D97-AF65-F5344CB8AC3E}">
@@ -17691,7 +18123,7 @@
           <a:p>
             <a:r>
               <a:rPr lang="cs-CZ" dirty="0"/>
-              <a:t>Představení tří nejpoužívanějších herních </a:t>
+              <a:t>porovnání herních </a:t>
             </a:r>
             <a:r>
               <a:rPr lang="cs-CZ" dirty="0" err="1"/>
